--- a/Inference/Kernel/06.memory.pptx
+++ b/Inference/Kernel/06.memory.pptx
@@ -569,7 +569,7 @@
             <a:fld id="{C45443A1-D8F2-48CD-A659-3CEDBA8DF541}" type="datetimeFigureOut">
               <a:rPr lang="zh-CN" altLang="en-US" smtClean="0"/>
               <a:pPr/>
-              <a:t>2023/2/10</a:t>
+              <a:t>2023/3/2</a:t>
             </a:fld>
             <a:endParaRPr lang="zh-CN" altLang="en-US"/>
           </a:p>
@@ -42441,7 +42441,7 @@
           <a:blip r:embed="rId2">
             <a:extLst>
               <a:ext uri="{28A0092B-C50C-407E-A947-70E740481C1C}">
-                <a14:useLocalDpi xmlns:a14="http://schemas.microsoft.com/office/drawing/2010/main" val="0"/>
+                <a14:useLocalDpi xmlns:a14="http://schemas.microsoft.com/office/drawing/2010/main"/>
               </a:ext>
             </a:extLst>
           </a:blip>
@@ -45191,10 +45191,10 @@
           <p:nvPr/>
         </p:nvPicPr>
         <p:blipFill>
-          <a:blip r:embed="rId2">
+          <a:blip r:embed="rId2" cstate="screen">
             <a:extLst>
               <a:ext uri="{28A0092B-C50C-407E-A947-70E740481C1C}">
-                <a14:useLocalDpi xmlns:a14="http://schemas.microsoft.com/office/drawing/2010/main" val="0"/>
+                <a14:useLocalDpi xmlns:a14="http://schemas.microsoft.com/office/drawing/2010/main"/>
               </a:ext>
             </a:extLst>
           </a:blip>
@@ -45227,10 +45227,10 @@
           <p:nvPr/>
         </p:nvPicPr>
         <p:blipFill>
-          <a:blip r:embed="rId3">
+          <a:blip r:embed="rId3" cstate="screen">
             <a:extLst>
               <a:ext uri="{28A0092B-C50C-407E-A947-70E740481C1C}">
-                <a14:useLocalDpi xmlns:a14="http://schemas.microsoft.com/office/drawing/2010/main" val="0"/>
+                <a14:useLocalDpi xmlns:a14="http://schemas.microsoft.com/office/drawing/2010/main"/>
               </a:ext>
             </a:extLst>
           </a:blip>
@@ -45333,10 +45333,10 @@
           <p:nvPr/>
         </p:nvPicPr>
         <p:blipFill>
-          <a:blip r:embed="rId2">
+          <a:blip r:embed="rId2" cstate="screen">
             <a:extLst>
               <a:ext uri="{28A0092B-C50C-407E-A947-70E740481C1C}">
-                <a14:useLocalDpi xmlns:a14="http://schemas.microsoft.com/office/drawing/2010/main" val="0"/>
+                <a14:useLocalDpi xmlns:a14="http://schemas.microsoft.com/office/drawing/2010/main"/>
               </a:ext>
             </a:extLst>
           </a:blip>
@@ -45369,10 +45369,10 @@
           <p:nvPr/>
         </p:nvPicPr>
         <p:blipFill>
-          <a:blip r:embed="rId3">
+          <a:blip r:embed="rId3" cstate="screen">
             <a:extLst>
               <a:ext uri="{28A0092B-C50C-407E-A947-70E740481C1C}">
-                <a14:useLocalDpi xmlns:a14="http://schemas.microsoft.com/office/drawing/2010/main" val="0"/>
+                <a14:useLocalDpi xmlns:a14="http://schemas.microsoft.com/office/drawing/2010/main"/>
               </a:ext>
             </a:extLst>
           </a:blip>
